--- a/07News/06History/2019.pptx
+++ b/07News/06History/2019.pptx
@@ -237,7 +237,7 @@
           <a:p>
             <a:fld id="{E8CF71B8-DF2A-2E41-BE66-2E18A767DA8A}" type="datetimeFigureOut">
               <a:rPr lang="en-US" smtClean="0"/>
-              <a:t>1/27/25</a:t>
+              <a:t>2/2/25</a:t>
             </a:fld>
             <a:endParaRPr lang="en-US"/>
           </a:p>
@@ -414,7 +414,7 @@
           <a:p>
             <a:fld id="{0DD60A27-BF12-6744-9E93-932A0E34D8BB}" type="datetimeFigureOut">
               <a:rPr lang="en-US" smtClean="0"/>
-              <a:t>1/27/25</a:t>
+              <a:t>2/2/25</a:t>
             </a:fld>
             <a:endParaRPr lang="en-US"/>
           </a:p>
@@ -33488,6 +33488,84 @@
           </a:p>
         </p:txBody>
       </p:sp>
+      <p:sp>
+        <p:nvSpPr>
+          <p:cNvPr id="3" name="文本框 2">
+            <a:extLst>
+              <a:ext uri="{FF2B5EF4-FFF2-40B4-BE49-F238E27FC236}">
+                <a16:creationId xmlns:a16="http://schemas.microsoft.com/office/drawing/2014/main" id="{C5B0FE1E-2EE7-D2E1-ADD2-12F5D03D3A9D}"/>
+              </a:ext>
+            </a:extLst>
+          </p:cNvPr>
+          <p:cNvSpPr txBox="1"/>
+          <p:nvPr/>
+        </p:nvSpPr>
+        <p:spPr>
+          <a:xfrm>
+            <a:off x="2317532" y="2751110"/>
+            <a:ext cx="8271640" cy="276999"/>
+          </a:xfrm>
+          <a:prstGeom prst="rect">
+            <a:avLst/>
+          </a:prstGeom>
+          <a:noFill/>
+        </p:spPr>
+        <p:txBody>
+          <a:bodyPr wrap="square">
+            <a:spAutoFit/>
+          </a:bodyPr>
+          <a:lstStyle/>
+          <a:p>
+            <a:r>
+              <a:rPr lang="zh-CN" altLang="en-US" sz="1200" dirty="0">
+                <a:solidFill>
+                  <a:srgbClr val="0432FF"/>
+                </a:solidFill>
+              </a:rPr>
+              <a:t>https://www.youtube.com/watch?v=RjRQ1DYnuJA&amp;pp=ygUKZ29vZ2xlIFRQVQ%3D%3D</a:t>
+            </a:r>
+          </a:p>
+        </p:txBody>
+      </p:sp>
+      <p:sp>
+        <p:nvSpPr>
+          <p:cNvPr id="7" name="文本框 6">
+            <a:extLst>
+              <a:ext uri="{FF2B5EF4-FFF2-40B4-BE49-F238E27FC236}">
+                <a16:creationId xmlns:a16="http://schemas.microsoft.com/office/drawing/2014/main" id="{E1E6B5AD-D909-6BFE-EA4F-1F6D685D6899}"/>
+              </a:ext>
+            </a:extLst>
+          </p:cNvPr>
+          <p:cNvSpPr txBox="1"/>
+          <p:nvPr/>
+        </p:nvSpPr>
+        <p:spPr>
+          <a:xfrm>
+            <a:off x="3042745" y="4043882"/>
+            <a:ext cx="8271640" cy="276999"/>
+          </a:xfrm>
+          <a:prstGeom prst="rect">
+            <a:avLst/>
+          </a:prstGeom>
+          <a:noFill/>
+        </p:spPr>
+        <p:txBody>
+          <a:bodyPr wrap="square">
+            <a:spAutoFit/>
+          </a:bodyPr>
+          <a:lstStyle/>
+          <a:p>
+            <a:r>
+              <a:rPr lang="zh-CN" altLang="en-US" sz="1200" dirty="0">
+                <a:solidFill>
+                  <a:srgbClr val="0432FF"/>
+                </a:solidFill>
+              </a:rPr>
+              <a:t>https://www.youtube.com/watch?v=zCwEqdWzZn8&amp;pp=ygULbnZpZGlhIDIwMTk%3D</a:t>
+            </a:r>
+          </a:p>
+        </p:txBody>
+      </p:sp>
     </p:spTree>
     <p:extLst>
       <p:ext uri="{BB962C8B-B14F-4D97-AF65-F5344CB8AC3E}">
@@ -33683,6 +33761,45 @@
           </a:p>
           <a:p>
             <a:endParaRPr lang="zh-CN" altLang="en-US" dirty="0"/>
+          </a:p>
+        </p:txBody>
+      </p:sp>
+      <p:sp>
+        <p:nvSpPr>
+          <p:cNvPr id="3" name="文本框 2">
+            <a:extLst>
+              <a:ext uri="{FF2B5EF4-FFF2-40B4-BE49-F238E27FC236}">
+                <a16:creationId xmlns:a16="http://schemas.microsoft.com/office/drawing/2014/main" id="{33064CCC-C0A0-EBEC-A66B-90FCE2F255F9}"/>
+              </a:ext>
+            </a:extLst>
+          </p:cNvPr>
+          <p:cNvSpPr txBox="1"/>
+          <p:nvPr/>
+        </p:nvSpPr>
+        <p:spPr>
+          <a:xfrm>
+            <a:off x="4282966" y="1437317"/>
+            <a:ext cx="8271640" cy="276999"/>
+          </a:xfrm>
+          <a:prstGeom prst="rect">
+            <a:avLst/>
+          </a:prstGeom>
+          <a:noFill/>
+        </p:spPr>
+        <p:txBody>
+          <a:bodyPr wrap="square">
+            <a:spAutoFit/>
+          </a:bodyPr>
+          <a:lstStyle/>
+          <a:p>
+            <a:r>
+              <a:rPr lang="zh-CN" altLang="en-US" sz="1200" dirty="0">
+                <a:solidFill>
+                  <a:srgbClr val="0432FF"/>
+                </a:solidFill>
+              </a:rPr>
+              <a:t>https://www.youtube.com/watch?v=NzOhW2c38ZQ&amp;pp=ygULSGFiYW5hIExhYnM%3D</a:t>
+            </a:r>
           </a:p>
         </p:txBody>
       </p:sp>
@@ -33995,6 +34112,45 @@
           </a:p>
         </p:txBody>
       </p:sp>
+      <p:sp>
+        <p:nvSpPr>
+          <p:cNvPr id="3" name="文本框 2">
+            <a:extLst>
+              <a:ext uri="{FF2B5EF4-FFF2-40B4-BE49-F238E27FC236}">
+                <a16:creationId xmlns:a16="http://schemas.microsoft.com/office/drawing/2014/main" id="{7758707A-597B-E976-ECB6-101CFA68DEB5}"/>
+              </a:ext>
+            </a:extLst>
+          </p:cNvPr>
+          <p:cNvSpPr txBox="1"/>
+          <p:nvPr/>
+        </p:nvSpPr>
+        <p:spPr>
+          <a:xfrm>
+            <a:off x="3137338" y="1395276"/>
+            <a:ext cx="8271640" cy="276999"/>
+          </a:xfrm>
+          <a:prstGeom prst="rect">
+            <a:avLst/>
+          </a:prstGeom>
+          <a:noFill/>
+        </p:spPr>
+        <p:txBody>
+          <a:bodyPr wrap="square">
+            <a:spAutoFit/>
+          </a:bodyPr>
+          <a:lstStyle/>
+          <a:p>
+            <a:r>
+              <a:rPr lang="zh-CN" altLang="en-US" sz="1200" dirty="0">
+                <a:solidFill>
+                  <a:srgbClr val="0432FF"/>
+                </a:solidFill>
+              </a:rPr>
+              <a:t>https://www.youtube.com/watch?v=hA_-MkU0Nfw&amp;pp=ygUYd2F5bW8gYXV0b25vbW91cyBkcml2aW5n</a:t>
+            </a:r>
+          </a:p>
+        </p:txBody>
+      </p:sp>
     </p:spTree>
     <p:extLst>
       <p:ext uri="{BB962C8B-B14F-4D97-AF65-F5344CB8AC3E}">
@@ -34377,6 +34533,74 @@
               <a:t>技术滥用的监管和防范。</a:t>
             </a:r>
             <a:endParaRPr lang="en-US" altLang="zh-CN" dirty="0"/>
+          </a:p>
+        </p:txBody>
+      </p:sp>
+      <p:sp>
+        <p:nvSpPr>
+          <p:cNvPr id="5" name="文本框 4">
+            <a:extLst>
+              <a:ext uri="{FF2B5EF4-FFF2-40B4-BE49-F238E27FC236}">
+                <a16:creationId xmlns:a16="http://schemas.microsoft.com/office/drawing/2014/main" id="{3D57639B-B452-B58E-A855-307B0A473977}"/>
+              </a:ext>
+            </a:extLst>
+          </p:cNvPr>
+          <p:cNvSpPr txBox="1"/>
+          <p:nvPr/>
+        </p:nvSpPr>
+        <p:spPr>
+          <a:xfrm>
+            <a:off x="4850525" y="1405787"/>
+            <a:ext cx="8271640" cy="646331"/>
+          </a:xfrm>
+          <a:prstGeom prst="rect">
+            <a:avLst/>
+          </a:prstGeom>
+          <a:noFill/>
+        </p:spPr>
+        <p:txBody>
+          <a:bodyPr wrap="square">
+            <a:spAutoFit/>
+          </a:bodyPr>
+          <a:lstStyle/>
+          <a:p>
+            <a:r>
+              <a:rPr lang="zh-CN" altLang="en-US" sz="1200" dirty="0">
+                <a:solidFill>
+                  <a:srgbClr val="0432FF"/>
+                </a:solidFill>
+                <a:hlinkClick r:id="rId2"/>
+              </a:rPr>
+              <a:t>https://www.youtube.com/watch?v=3wVpVH0Wa6E&amp;pp=ygUIRGVlcGZha2U%3D</a:t>
+            </a:r>
+            <a:endParaRPr lang="en-US" altLang="zh-CN" sz="1200" dirty="0">
+              <a:solidFill>
+                <a:srgbClr val="0432FF"/>
+              </a:solidFill>
+            </a:endParaRPr>
+          </a:p>
+          <a:p>
+            <a:r>
+              <a:rPr lang="en" altLang="zh-CN" sz="1200" dirty="0">
+                <a:solidFill>
+                  <a:srgbClr val="0432FF"/>
+                </a:solidFill>
+                <a:hlinkClick r:id="rId3"/>
+              </a:rPr>
+              <a:t>https://www.youtube.com/watch?v=WzK1MBEpkJ0&amp;pp=ygUIRGVlcGZha2U%3D</a:t>
+            </a:r>
+            <a:endParaRPr lang="en-US" altLang="zh-CN" sz="1200" dirty="0">
+              <a:solidFill>
+                <a:srgbClr val="0432FF"/>
+              </a:solidFill>
+            </a:endParaRPr>
+          </a:p>
+          <a:p>
+            <a:endParaRPr lang="zh-CN" altLang="en-US" sz="1200" dirty="0">
+              <a:solidFill>
+                <a:srgbClr val="0432FF"/>
+              </a:solidFill>
+            </a:endParaRPr>
           </a:p>
         </p:txBody>
       </p:sp>
@@ -35161,6 +35385,45 @@
           </a:p>
         </p:txBody>
       </p:sp>
+      <p:sp>
+        <p:nvSpPr>
+          <p:cNvPr id="3" name="文本框 2">
+            <a:extLst>
+              <a:ext uri="{FF2B5EF4-FFF2-40B4-BE49-F238E27FC236}">
+                <a16:creationId xmlns:a16="http://schemas.microsoft.com/office/drawing/2014/main" id="{ED756234-7F4A-D65B-831F-7FD6FE55DC42}"/>
+              </a:ext>
+            </a:extLst>
+          </p:cNvPr>
+          <p:cNvSpPr txBox="1"/>
+          <p:nvPr/>
+        </p:nvSpPr>
+        <p:spPr>
+          <a:xfrm>
+            <a:off x="1969551" y="1302088"/>
+            <a:ext cx="8271640" cy="276999"/>
+          </a:xfrm>
+          <a:prstGeom prst="rect">
+            <a:avLst/>
+          </a:prstGeom>
+          <a:noFill/>
+        </p:spPr>
+        <p:txBody>
+          <a:bodyPr wrap="square">
+            <a:spAutoFit/>
+          </a:bodyPr>
+          <a:lstStyle/>
+          <a:p>
+            <a:r>
+              <a:rPr lang="zh-CN" altLang="en-US" sz="1200" dirty="0">
+                <a:solidFill>
+                  <a:srgbClr val="0432FF"/>
+                </a:solidFill>
+              </a:rPr>
+              <a:t>https://www.youtube.com/watch?v=t45S_MwAcOw&amp;pp=ygULZ29vZ2xlIEJFUlQ%3D</a:t>
+            </a:r>
+          </a:p>
+        </p:txBody>
+      </p:sp>
     </p:spTree>
     <p:extLst>
       <p:ext uri="{BB962C8B-B14F-4D97-AF65-F5344CB8AC3E}">
@@ -35487,6 +35750,123 @@
           </a:p>
           <a:p>
             <a:endParaRPr lang="zh-CN" altLang="en-US" dirty="0"/>
+          </a:p>
+        </p:txBody>
+      </p:sp>
+      <p:sp>
+        <p:nvSpPr>
+          <p:cNvPr id="5" name="文本框 4">
+            <a:extLst>
+              <a:ext uri="{FF2B5EF4-FFF2-40B4-BE49-F238E27FC236}">
+                <a16:creationId xmlns:a16="http://schemas.microsoft.com/office/drawing/2014/main" id="{7BA91E7E-6A33-2E9B-EFE2-8BA6027749E4}"/>
+              </a:ext>
+            </a:extLst>
+          </p:cNvPr>
+          <p:cNvSpPr txBox="1"/>
+          <p:nvPr/>
+        </p:nvSpPr>
+        <p:spPr>
+          <a:xfrm>
+            <a:off x="3999186" y="1363745"/>
+            <a:ext cx="8271640" cy="276999"/>
+          </a:xfrm>
+          <a:prstGeom prst="rect">
+            <a:avLst/>
+          </a:prstGeom>
+          <a:noFill/>
+        </p:spPr>
+        <p:txBody>
+          <a:bodyPr wrap="square">
+            <a:spAutoFit/>
+          </a:bodyPr>
+          <a:lstStyle/>
+          <a:p>
+            <a:r>
+              <a:rPr lang="zh-CN" altLang="en-US" sz="1200" dirty="0">
+                <a:solidFill>
+                  <a:srgbClr val="0432FF"/>
+                </a:solidFill>
+              </a:rPr>
+              <a:t>https://www.youtube.com/watch?v=t45S_MwAcOw&amp;pp=ygUSZ29vZ2xlIFRyYW5zZm9ybWVy</a:t>
+            </a:r>
+          </a:p>
+        </p:txBody>
+      </p:sp>
+      <p:sp>
+        <p:nvSpPr>
+          <p:cNvPr id="7" name="文本框 6">
+            <a:extLst>
+              <a:ext uri="{FF2B5EF4-FFF2-40B4-BE49-F238E27FC236}">
+                <a16:creationId xmlns:a16="http://schemas.microsoft.com/office/drawing/2014/main" id="{E3AF7AF4-65FD-1951-E814-790B785EDC96}"/>
+              </a:ext>
+            </a:extLst>
+          </p:cNvPr>
+          <p:cNvSpPr txBox="1"/>
+          <p:nvPr/>
+        </p:nvSpPr>
+        <p:spPr>
+          <a:xfrm>
+            <a:off x="2706414" y="3192147"/>
+            <a:ext cx="8271640" cy="276999"/>
+          </a:xfrm>
+          <a:prstGeom prst="rect">
+            <a:avLst/>
+          </a:prstGeom>
+          <a:noFill/>
+        </p:spPr>
+        <p:txBody>
+          <a:bodyPr wrap="square">
+            <a:spAutoFit/>
+          </a:bodyPr>
+          <a:lstStyle/>
+          <a:p>
+            <a:r>
+              <a:rPr lang="zh-CN" altLang="en-US" sz="1200" dirty="0">
+                <a:solidFill>
+                  <a:srgbClr val="0432FF"/>
+                </a:solidFill>
+              </a:rPr>
+              <a:t>https://www.youtube.com/watch?v=qV_rOlHjvvs&amp;pp=ygUMb3BlbkFJIEdQVC0y</a:t>
+            </a:r>
+          </a:p>
+        </p:txBody>
+      </p:sp>
+      <p:sp>
+        <p:nvSpPr>
+          <p:cNvPr id="9" name="文本框 8">
+            <a:extLst>
+              <a:ext uri="{FF2B5EF4-FFF2-40B4-BE49-F238E27FC236}">
+                <a16:creationId xmlns:a16="http://schemas.microsoft.com/office/drawing/2014/main" id="{77A93FE9-F0F7-87A5-4F6A-E6066904C618}"/>
+              </a:ext>
+            </a:extLst>
+          </p:cNvPr>
+          <p:cNvSpPr txBox="1"/>
+          <p:nvPr/>
+        </p:nvSpPr>
+        <p:spPr>
+          <a:xfrm>
+            <a:off x="3074276" y="4773613"/>
+            <a:ext cx="8271640" cy="276999"/>
+          </a:xfrm>
+          <a:prstGeom prst="rect">
+            <a:avLst/>
+          </a:prstGeom>
+          <a:noFill/>
+        </p:spPr>
+        <p:txBody>
+          <a:bodyPr wrap="square">
+            <a:spAutoFit/>
+          </a:bodyPr>
+          <a:lstStyle/>
+          <a:p>
+            <a:r>
+              <a:rPr lang="zh-CN" altLang="en-US" sz="1200" dirty="0">
+                <a:solidFill>
+                  <a:srgbClr val="0432FF"/>
+                </a:solidFill>
+              </a:rPr>
+              <a:t>https://www.youtube.com/watch?v=fxZtz0LPJLE&amp;pp=ygUPZmFjZWtib29rIG1CRVJU</a:t>
+            </a:r>
           </a:p>
         </p:txBody>
       </p:sp>
@@ -35749,6 +36129,123 @@
           </a:p>
         </p:txBody>
       </p:sp>
+      <p:sp>
+        <p:nvSpPr>
+          <p:cNvPr id="3" name="文本框 2">
+            <a:extLst>
+              <a:ext uri="{FF2B5EF4-FFF2-40B4-BE49-F238E27FC236}">
+                <a16:creationId xmlns:a16="http://schemas.microsoft.com/office/drawing/2014/main" id="{029C3C11-AD6E-8982-6DCA-80004B606994}"/>
+              </a:ext>
+            </a:extLst>
+          </p:cNvPr>
+          <p:cNvSpPr txBox="1"/>
+          <p:nvPr/>
+        </p:nvSpPr>
+        <p:spPr>
+          <a:xfrm>
+            <a:off x="4514194" y="1386630"/>
+            <a:ext cx="8271640" cy="276999"/>
+          </a:xfrm>
+          <a:prstGeom prst="rect">
+            <a:avLst/>
+          </a:prstGeom>
+          <a:noFill/>
+        </p:spPr>
+        <p:txBody>
+          <a:bodyPr wrap="square">
+            <a:spAutoFit/>
+          </a:bodyPr>
+          <a:lstStyle/>
+          <a:p>
+            <a:r>
+              <a:rPr lang="zh-CN" altLang="en-US" sz="1200" dirty="0">
+                <a:solidFill>
+                  <a:srgbClr val="0432FF"/>
+                </a:solidFill>
+              </a:rPr>
+              <a:t>https://www.youtube.com/watch?v=Unf-7sDUdZ0&amp;pp=ygUGQmlnR0FO</a:t>
+            </a:r>
+          </a:p>
+        </p:txBody>
+      </p:sp>
+      <p:sp>
+        <p:nvSpPr>
+          <p:cNvPr id="7" name="文本框 6">
+            <a:extLst>
+              <a:ext uri="{FF2B5EF4-FFF2-40B4-BE49-F238E27FC236}">
+                <a16:creationId xmlns:a16="http://schemas.microsoft.com/office/drawing/2014/main" id="{6EE079E9-3ACA-1641-7364-5E212FD91263}"/>
+              </a:ext>
+            </a:extLst>
+          </p:cNvPr>
+          <p:cNvSpPr txBox="1"/>
+          <p:nvPr/>
+        </p:nvSpPr>
+        <p:spPr>
+          <a:xfrm>
+            <a:off x="3736428" y="2908766"/>
+            <a:ext cx="8271640" cy="276999"/>
+          </a:xfrm>
+          <a:prstGeom prst="rect">
+            <a:avLst/>
+          </a:prstGeom>
+          <a:noFill/>
+        </p:spPr>
+        <p:txBody>
+          <a:bodyPr wrap="square">
+            <a:spAutoFit/>
+          </a:bodyPr>
+          <a:lstStyle/>
+          <a:p>
+            <a:r>
+              <a:rPr lang="zh-CN" altLang="en-US" sz="1200" dirty="0">
+                <a:solidFill>
+                  <a:srgbClr val="0432FF"/>
+                </a:solidFill>
+              </a:rPr>
+              <a:t>https://www.youtube.com/watch?v=Sf7JPQk38bI&amp;pp=ygUTTWFzayBTY29yaW5nIFItQ05OIA%3D%3D</a:t>
+            </a:r>
+          </a:p>
+        </p:txBody>
+      </p:sp>
+      <p:sp>
+        <p:nvSpPr>
+          <p:cNvPr id="9" name="文本框 8">
+            <a:extLst>
+              <a:ext uri="{FF2B5EF4-FFF2-40B4-BE49-F238E27FC236}">
+                <a16:creationId xmlns:a16="http://schemas.microsoft.com/office/drawing/2014/main" id="{F7FC261D-D811-706A-535C-E635170BFD80}"/>
+              </a:ext>
+            </a:extLst>
+          </p:cNvPr>
+          <p:cNvSpPr txBox="1"/>
+          <p:nvPr/>
+        </p:nvSpPr>
+        <p:spPr>
+          <a:xfrm>
+            <a:off x="2727435" y="4354924"/>
+            <a:ext cx="8271640" cy="276999"/>
+          </a:xfrm>
+          <a:prstGeom prst="rect">
+            <a:avLst/>
+          </a:prstGeom>
+          <a:noFill/>
+        </p:spPr>
+        <p:txBody>
+          <a:bodyPr wrap="square">
+            <a:spAutoFit/>
+          </a:bodyPr>
+          <a:lstStyle/>
+          <a:p>
+            <a:r>
+              <a:rPr lang="zh-CN" altLang="en-US" sz="1200" dirty="0">
+                <a:solidFill>
+                  <a:srgbClr val="0432FF"/>
+                </a:solidFill>
+              </a:rPr>
+              <a:t>https://www.youtube.com/watch?v=qoSKbMbf1Pw&amp;t=527s&amp;pp=ygUMRWZmaWNpZW50TmV0</a:t>
+            </a:r>
+          </a:p>
+        </p:txBody>
+      </p:sp>
     </p:spTree>
     <p:extLst>
       <p:ext uri="{BB962C8B-B14F-4D97-AF65-F5344CB8AC3E}">
@@ -35953,6 +36450,45 @@
               <a:t>在游戏和现实世界中的应用奠定了基础。</a:t>
             </a:r>
             <a:endParaRPr lang="en-US" altLang="zh-CN" dirty="0"/>
+          </a:p>
+        </p:txBody>
+      </p:sp>
+      <p:sp>
+        <p:nvSpPr>
+          <p:cNvPr id="3" name="文本框 2">
+            <a:extLst>
+              <a:ext uri="{FF2B5EF4-FFF2-40B4-BE49-F238E27FC236}">
+                <a16:creationId xmlns:a16="http://schemas.microsoft.com/office/drawing/2014/main" id="{CB5669D8-C348-D59F-866A-BB169D9E3BF5}"/>
+              </a:ext>
+            </a:extLst>
+          </p:cNvPr>
+          <p:cNvSpPr txBox="1"/>
+          <p:nvPr/>
+        </p:nvSpPr>
+        <p:spPr>
+          <a:xfrm>
+            <a:off x="1844566" y="1447827"/>
+            <a:ext cx="8271640" cy="276999"/>
+          </a:xfrm>
+          <a:prstGeom prst="rect">
+            <a:avLst/>
+          </a:prstGeom>
+          <a:noFill/>
+        </p:spPr>
+        <p:txBody>
+          <a:bodyPr wrap="square">
+            <a:spAutoFit/>
+          </a:bodyPr>
+          <a:lstStyle/>
+          <a:p>
+            <a:r>
+              <a:rPr lang="zh-CN" altLang="en-US" sz="1200" dirty="0">
+                <a:solidFill>
+                  <a:srgbClr val="0432FF"/>
+                </a:solidFill>
+              </a:rPr>
+              <a:t>https://www.youtube.com/watch?v=UuhECwm31dM&amp;pp=ygUJQWxwaGFTdGFy</a:t>
+            </a:r>
           </a:p>
         </p:txBody>
       </p:sp>
@@ -36370,6 +36906,123 @@
           </a:p>
         </p:txBody>
       </p:sp>
+      <p:sp>
+        <p:nvSpPr>
+          <p:cNvPr id="5" name="文本框 4">
+            <a:extLst>
+              <a:ext uri="{FF2B5EF4-FFF2-40B4-BE49-F238E27FC236}">
+                <a16:creationId xmlns:a16="http://schemas.microsoft.com/office/drawing/2014/main" id="{F8CEAA28-B917-8E8E-BB21-48E594573389}"/>
+              </a:ext>
+            </a:extLst>
+          </p:cNvPr>
+          <p:cNvSpPr txBox="1"/>
+          <p:nvPr/>
+        </p:nvSpPr>
+        <p:spPr>
+          <a:xfrm>
+            <a:off x="2769476" y="1405786"/>
+            <a:ext cx="8271640" cy="276999"/>
+          </a:xfrm>
+          <a:prstGeom prst="rect">
+            <a:avLst/>
+          </a:prstGeom>
+          <a:noFill/>
+        </p:spPr>
+        <p:txBody>
+          <a:bodyPr wrap="square">
+            <a:spAutoFit/>
+          </a:bodyPr>
+          <a:lstStyle/>
+          <a:p>
+            <a:r>
+              <a:rPr lang="zh-CN" altLang="en-US" sz="1200" dirty="0">
+                <a:solidFill>
+                  <a:srgbClr val="0432FF"/>
+                </a:solidFill>
+              </a:rPr>
+              <a:t>https://www.youtube.com/watch?v=ORMx45xqWkA&amp;pp=ygURUHlUb3JjaCBmcmFtZXdvcms%3D</a:t>
+            </a:r>
+          </a:p>
+        </p:txBody>
+      </p:sp>
+      <p:sp>
+        <p:nvSpPr>
+          <p:cNvPr id="7" name="文本框 6">
+            <a:extLst>
+              <a:ext uri="{FF2B5EF4-FFF2-40B4-BE49-F238E27FC236}">
+                <a16:creationId xmlns:a16="http://schemas.microsoft.com/office/drawing/2014/main" id="{6DE5C15C-9CF6-A34B-4207-7BA84584E14D}"/>
+              </a:ext>
+            </a:extLst>
+          </p:cNvPr>
+          <p:cNvSpPr txBox="1"/>
+          <p:nvPr/>
+        </p:nvSpPr>
+        <p:spPr>
+          <a:xfrm>
+            <a:off x="3694386" y="2898255"/>
+            <a:ext cx="8271640" cy="276999"/>
+          </a:xfrm>
+          <a:prstGeom prst="rect">
+            <a:avLst/>
+          </a:prstGeom>
+          <a:noFill/>
+        </p:spPr>
+        <p:txBody>
+          <a:bodyPr wrap="square">
+            <a:spAutoFit/>
+          </a:bodyPr>
+          <a:lstStyle/>
+          <a:p>
+            <a:r>
+              <a:rPr lang="zh-CN" altLang="en-US" sz="1200" dirty="0">
+                <a:solidFill>
+                  <a:srgbClr val="0432FF"/>
+                </a:solidFill>
+              </a:rPr>
+              <a:t>https://www.youtube.com/watch?v=i8NETqtGHms&amp;pp=ygUPVGVuc29yRmxvdyAyLjAg</a:t>
+            </a:r>
+          </a:p>
+        </p:txBody>
+      </p:sp>
+      <p:sp>
+        <p:nvSpPr>
+          <p:cNvPr id="9" name="文本框 8">
+            <a:extLst>
+              <a:ext uri="{FF2B5EF4-FFF2-40B4-BE49-F238E27FC236}">
+                <a16:creationId xmlns:a16="http://schemas.microsoft.com/office/drawing/2014/main" id="{37F05106-8809-F313-AB79-93F801347D68}"/>
+              </a:ext>
+            </a:extLst>
+          </p:cNvPr>
+          <p:cNvSpPr txBox="1"/>
+          <p:nvPr/>
+        </p:nvSpPr>
+        <p:spPr>
+          <a:xfrm>
+            <a:off x="4167353" y="4349668"/>
+            <a:ext cx="8271640" cy="276999"/>
+          </a:xfrm>
+          <a:prstGeom prst="rect">
+            <a:avLst/>
+          </a:prstGeom>
+          <a:noFill/>
+        </p:spPr>
+        <p:txBody>
+          <a:bodyPr wrap="square">
+            <a:spAutoFit/>
+          </a:bodyPr>
+          <a:lstStyle/>
+          <a:p>
+            <a:r>
+              <a:rPr lang="zh-CN" altLang="en-US" sz="1200" dirty="0">
+                <a:solidFill>
+                  <a:srgbClr val="0432FF"/>
+                </a:solidFill>
+              </a:rPr>
+              <a:t>https://www.youtube.com/watch?v=H_8nDp2GRQU&amp;pp=ygUMUGFkZGxlUGFkZGxl</a:t>
+            </a:r>
+          </a:p>
+        </p:txBody>
+      </p:sp>
     </p:spTree>
     <p:extLst>
       <p:ext uri="{BB962C8B-B14F-4D97-AF65-F5344CB8AC3E}">
@@ -36619,6 +37272,84 @@
             <a:r>
               <a:rPr lang="zh-CN" altLang="en-US" dirty="0"/>
               <a:t>的技术路线逐渐减少。</a:t>
+            </a:r>
+          </a:p>
+        </p:txBody>
+      </p:sp>
+      <p:sp>
+        <p:nvSpPr>
+          <p:cNvPr id="5" name="文本框 4">
+            <a:extLst>
+              <a:ext uri="{FF2B5EF4-FFF2-40B4-BE49-F238E27FC236}">
+                <a16:creationId xmlns:a16="http://schemas.microsoft.com/office/drawing/2014/main" id="{6EA96FF4-DD4B-2360-0EB8-21ECB957685B}"/>
+              </a:ext>
+            </a:extLst>
+          </p:cNvPr>
+          <p:cNvSpPr txBox="1"/>
+          <p:nvPr/>
+        </p:nvSpPr>
+        <p:spPr>
+          <a:xfrm>
+            <a:off x="3736428" y="2887745"/>
+            <a:ext cx="8271640" cy="276999"/>
+          </a:xfrm>
+          <a:prstGeom prst="rect">
+            <a:avLst/>
+          </a:prstGeom>
+          <a:noFill/>
+        </p:spPr>
+        <p:txBody>
+          <a:bodyPr wrap="square">
+            <a:spAutoFit/>
+          </a:bodyPr>
+          <a:lstStyle/>
+          <a:p>
+            <a:r>
+              <a:rPr lang="zh-CN" altLang="en-US" sz="1200" dirty="0">
+                <a:solidFill>
+                  <a:srgbClr val="0432FF"/>
+                </a:solidFill>
+              </a:rPr>
+              <a:t>https://www.youtube.com/watch?v=GLO5FZzfrS0&amp;pp=ygUMSHVnZ2luZyBGYWNl</a:t>
+            </a:r>
+          </a:p>
+        </p:txBody>
+      </p:sp>
+      <p:sp>
+        <p:nvSpPr>
+          <p:cNvPr id="7" name="文本框 6">
+            <a:extLst>
+              <a:ext uri="{FF2B5EF4-FFF2-40B4-BE49-F238E27FC236}">
+                <a16:creationId xmlns:a16="http://schemas.microsoft.com/office/drawing/2014/main" id="{DA03E041-8923-716B-4A1B-B03682D777DD}"/>
+              </a:ext>
+            </a:extLst>
+          </p:cNvPr>
+          <p:cNvSpPr txBox="1"/>
+          <p:nvPr/>
+        </p:nvSpPr>
+        <p:spPr>
+          <a:xfrm>
+            <a:off x="2843048" y="1386630"/>
+            <a:ext cx="8271640" cy="276999"/>
+          </a:xfrm>
+          <a:prstGeom prst="rect">
+            <a:avLst/>
+          </a:prstGeom>
+          <a:noFill/>
+        </p:spPr>
+        <p:txBody>
+          <a:bodyPr wrap="square">
+            <a:spAutoFit/>
+          </a:bodyPr>
+          <a:lstStyle/>
+          <a:p>
+            <a:r>
+              <a:rPr lang="zh-CN" altLang="en-US" sz="1200" dirty="0">
+                <a:solidFill>
+                  <a:srgbClr val="0432FF"/>
+                </a:solidFill>
+              </a:rPr>
+              <a:t>https://www.youtube.com/watch?v=ay_pTOUcdcE&amp;pp=ygUFTVhOZXQ%3D</a:t>
             </a:r>
           </a:p>
         </p:txBody>
